--- a/src/test/resources/full_content.pptx
+++ b/src/test/resources/full_content.pptx
@@ -288,6 +288,7 @@
           <a:p>
             <a:fld id="{3FD446A4-B7F7-4EA6-B2D1-ED8943CD3043}" type="datetimeFigureOut">
               <a:rPr lang="fr-FR" smtClean="0"/>
+              <a:pPr/>
               <a:t>09/12/2016</a:t>
             </a:fld>
             <a:endParaRPr lang="fr-FR"/>
@@ -330,6 +331,7 @@
           <a:p>
             <a:fld id="{A0AEEAE9-4011-4619-AA6F-E6B51555CBCF}" type="slidenum">
               <a:rPr lang="fr-FR" smtClean="0"/>
+              <a:pPr/>
               <a:t>‹N°›</a:t>
             </a:fld>
             <a:endParaRPr lang="fr-FR"/>
@@ -453,6 +455,7 @@
           <a:p>
             <a:fld id="{3FD446A4-B7F7-4EA6-B2D1-ED8943CD3043}" type="datetimeFigureOut">
               <a:rPr lang="fr-FR" smtClean="0"/>
+              <a:pPr/>
               <a:t>09/12/2016</a:t>
             </a:fld>
             <a:endParaRPr lang="fr-FR"/>
@@ -495,6 +498,7 @@
           <a:p>
             <a:fld id="{A0AEEAE9-4011-4619-AA6F-E6B51555CBCF}" type="slidenum">
               <a:rPr lang="fr-FR" smtClean="0"/>
+              <a:pPr/>
               <a:t>‹N°›</a:t>
             </a:fld>
             <a:endParaRPr lang="fr-FR"/>
@@ -628,6 +632,7 @@
           <a:p>
             <a:fld id="{3FD446A4-B7F7-4EA6-B2D1-ED8943CD3043}" type="datetimeFigureOut">
               <a:rPr lang="fr-FR" smtClean="0"/>
+              <a:pPr/>
               <a:t>09/12/2016</a:t>
             </a:fld>
             <a:endParaRPr lang="fr-FR"/>
@@ -670,6 +675,7 @@
           <a:p>
             <a:fld id="{A0AEEAE9-4011-4619-AA6F-E6B51555CBCF}" type="slidenum">
               <a:rPr lang="fr-FR" smtClean="0"/>
+              <a:pPr/>
               <a:t>‹N°›</a:t>
             </a:fld>
             <a:endParaRPr lang="fr-FR"/>
@@ -793,6 +799,7 @@
           <a:p>
             <a:fld id="{3FD446A4-B7F7-4EA6-B2D1-ED8943CD3043}" type="datetimeFigureOut">
               <a:rPr lang="fr-FR" smtClean="0"/>
+              <a:pPr/>
               <a:t>09/12/2016</a:t>
             </a:fld>
             <a:endParaRPr lang="fr-FR"/>
@@ -835,6 +842,7 @@
           <a:p>
             <a:fld id="{A0AEEAE9-4011-4619-AA6F-E6B51555CBCF}" type="slidenum">
               <a:rPr lang="fr-FR" smtClean="0"/>
+              <a:pPr/>
               <a:t>‹N°›</a:t>
             </a:fld>
             <a:endParaRPr lang="fr-FR"/>
@@ -1034,6 +1042,7 @@
           <a:p>
             <a:fld id="{3FD446A4-B7F7-4EA6-B2D1-ED8943CD3043}" type="datetimeFigureOut">
               <a:rPr lang="fr-FR" smtClean="0"/>
+              <a:pPr/>
               <a:t>09/12/2016</a:t>
             </a:fld>
             <a:endParaRPr lang="fr-FR"/>
@@ -1076,6 +1085,7 @@
           <a:p>
             <a:fld id="{A0AEEAE9-4011-4619-AA6F-E6B51555CBCF}" type="slidenum">
               <a:rPr lang="fr-FR" smtClean="0"/>
+              <a:pPr/>
               <a:t>‹N°›</a:t>
             </a:fld>
             <a:endParaRPr lang="fr-FR"/>
@@ -1317,6 +1327,7 @@
           <a:p>
             <a:fld id="{3FD446A4-B7F7-4EA6-B2D1-ED8943CD3043}" type="datetimeFigureOut">
               <a:rPr lang="fr-FR" smtClean="0"/>
+              <a:pPr/>
               <a:t>09/12/2016</a:t>
             </a:fld>
             <a:endParaRPr lang="fr-FR"/>
@@ -1359,6 +1370,7 @@
           <a:p>
             <a:fld id="{A0AEEAE9-4011-4619-AA6F-E6B51555CBCF}" type="slidenum">
               <a:rPr lang="fr-FR" smtClean="0"/>
+              <a:pPr/>
               <a:t>‹N°›</a:t>
             </a:fld>
             <a:endParaRPr lang="fr-FR"/>
@@ -1734,6 +1746,7 @@
           <a:p>
             <a:fld id="{3FD446A4-B7F7-4EA6-B2D1-ED8943CD3043}" type="datetimeFigureOut">
               <a:rPr lang="fr-FR" smtClean="0"/>
+              <a:pPr/>
               <a:t>09/12/2016</a:t>
             </a:fld>
             <a:endParaRPr lang="fr-FR"/>
@@ -1776,6 +1789,7 @@
           <a:p>
             <a:fld id="{A0AEEAE9-4011-4619-AA6F-E6B51555CBCF}" type="slidenum">
               <a:rPr lang="fr-FR" smtClean="0"/>
+              <a:pPr/>
               <a:t>‹N°›</a:t>
             </a:fld>
             <a:endParaRPr lang="fr-FR"/>
@@ -1847,6 +1861,7 @@
           <a:p>
             <a:fld id="{3FD446A4-B7F7-4EA6-B2D1-ED8943CD3043}" type="datetimeFigureOut">
               <a:rPr lang="fr-FR" smtClean="0"/>
+              <a:pPr/>
               <a:t>09/12/2016</a:t>
             </a:fld>
             <a:endParaRPr lang="fr-FR"/>
@@ -1889,6 +1904,7 @@
           <a:p>
             <a:fld id="{A0AEEAE9-4011-4619-AA6F-E6B51555CBCF}" type="slidenum">
               <a:rPr lang="fr-FR" smtClean="0"/>
+              <a:pPr/>
               <a:t>‹N°›</a:t>
             </a:fld>
             <a:endParaRPr lang="fr-FR"/>
@@ -1937,6 +1953,7 @@
           <a:p>
             <a:fld id="{3FD446A4-B7F7-4EA6-B2D1-ED8943CD3043}" type="datetimeFigureOut">
               <a:rPr lang="fr-FR" smtClean="0"/>
+              <a:pPr/>
               <a:t>09/12/2016</a:t>
             </a:fld>
             <a:endParaRPr lang="fr-FR"/>
@@ -1979,6 +1996,7 @@
           <a:p>
             <a:fld id="{A0AEEAE9-4011-4619-AA6F-E6B51555CBCF}" type="slidenum">
               <a:rPr lang="fr-FR" smtClean="0"/>
+              <a:pPr/>
               <a:t>‹N°›</a:t>
             </a:fld>
             <a:endParaRPr lang="fr-FR"/>
@@ -2209,6 +2227,7 @@
           <a:p>
             <a:fld id="{3FD446A4-B7F7-4EA6-B2D1-ED8943CD3043}" type="datetimeFigureOut">
               <a:rPr lang="fr-FR" smtClean="0"/>
+              <a:pPr/>
               <a:t>09/12/2016</a:t>
             </a:fld>
             <a:endParaRPr lang="fr-FR"/>
@@ -2251,6 +2270,7 @@
           <a:p>
             <a:fld id="{A0AEEAE9-4011-4619-AA6F-E6B51555CBCF}" type="slidenum">
               <a:rPr lang="fr-FR" smtClean="0"/>
+              <a:pPr/>
               <a:t>‹N°›</a:t>
             </a:fld>
             <a:endParaRPr lang="fr-FR"/>
@@ -2457,6 +2477,7 @@
           <a:p>
             <a:fld id="{3FD446A4-B7F7-4EA6-B2D1-ED8943CD3043}" type="datetimeFigureOut">
               <a:rPr lang="fr-FR" smtClean="0"/>
+              <a:pPr/>
               <a:t>09/12/2016</a:t>
             </a:fld>
             <a:endParaRPr lang="fr-FR"/>
@@ -2499,6 +2520,7 @@
           <a:p>
             <a:fld id="{A0AEEAE9-4011-4619-AA6F-E6B51555CBCF}" type="slidenum">
               <a:rPr lang="fr-FR" smtClean="0"/>
+              <a:pPr/>
               <a:t>‹N°›</a:t>
             </a:fld>
             <a:endParaRPr lang="fr-FR"/>
@@ -2665,6 +2687,7 @@
           <a:p>
             <a:fld id="{3FD446A4-B7F7-4EA6-B2D1-ED8943CD3043}" type="datetimeFigureOut">
               <a:rPr lang="fr-FR" smtClean="0"/>
+              <a:pPr/>
               <a:t>09/12/2016</a:t>
             </a:fld>
             <a:endParaRPr lang="fr-FR"/>
@@ -2743,6 +2766,7 @@
           <a:p>
             <a:fld id="{A0AEEAE9-4011-4619-AA6F-E6B51555CBCF}" type="slidenum">
               <a:rPr lang="fr-FR" smtClean="0"/>
+              <a:pPr/>
               <a:t>‹N°›</a:t>
             </a:fld>
             <a:endParaRPr lang="fr-FR"/>
@@ -3348,6 +3372,101 @@
           </a:graphicData>
         </a:graphic>
       </p:graphicFrame>
+      <p:sp>
+        <p:nvSpPr>
+          <p:cNvPr id="11" name="ZoneTexte 10"/>
+          <p:cNvSpPr txBox="1"/>
+          <p:nvPr/>
+        </p:nvSpPr>
+        <p:spPr>
+          <a:xfrm>
+            <a:off x="179512" y="1700808"/>
+            <a:ext cx="1440160" cy="246221"/>
+          </a:xfrm>
+          <a:prstGeom prst="rect">
+            <a:avLst/>
+          </a:prstGeom>
+          <a:noFill/>
+        </p:spPr>
+        <p:txBody>
+          <a:bodyPr wrap="square" rtlCol="0">
+            <a:spAutoFit/>
+          </a:bodyPr>
+          <a:lstStyle/>
+          <a:p>
+            <a:r>
+              <a:rPr lang="fr-FR" sz="1000" b="1" dirty="0" smtClean="0">
+                <a:solidFill>
+                  <a:srgbClr val="FF0000"/>
+                </a:solidFill>
+              </a:rPr>
+              <a:t>$/var1/ </a:t>
+            </a:r>
+            <a:r>
+              <a:rPr lang="fr-FR" sz="1000" dirty="0" err="1" smtClean="0"/>
+              <a:t>text</a:t>
+            </a:r>
+            <a:r>
+              <a:rPr lang="fr-FR" sz="1000" dirty="0" smtClean="0"/>
+              <a:t> normal</a:t>
+            </a:r>
+            <a:endParaRPr lang="fr-FR" sz="1000" dirty="0"/>
+          </a:p>
+        </p:txBody>
+      </p:sp>
+      <p:sp>
+        <p:nvSpPr>
+          <p:cNvPr id="12" name="ZoneTexte 11"/>
+          <p:cNvSpPr txBox="1"/>
+          <p:nvPr/>
+        </p:nvSpPr>
+        <p:spPr>
+          <a:xfrm>
+            <a:off x="323528" y="2204864"/>
+            <a:ext cx="1800200" cy="400110"/>
+          </a:xfrm>
+          <a:prstGeom prst="rect">
+            <a:avLst/>
+          </a:prstGeom>
+          <a:noFill/>
+        </p:spPr>
+        <p:txBody>
+          <a:bodyPr wrap="square" rtlCol="0">
+            <a:spAutoFit/>
+          </a:bodyPr>
+          <a:lstStyle/>
+          <a:p>
+            <a:r>
+              <a:rPr lang="fr-FR" sz="1000" dirty="0" err="1" smtClean="0"/>
+              <a:t>Unstyled</a:t>
+            </a:r>
+            <a:r>
+              <a:rPr lang="fr-FR" sz="1000" dirty="0" smtClean="0"/>
+              <a:t> </a:t>
+            </a:r>
+            <a:r>
+              <a:rPr lang="fr-FR" sz="1000" dirty="0" err="1" smtClean="0"/>
+              <a:t>text</a:t>
+            </a:r>
+            <a:endParaRPr lang="fr-FR" sz="1000" dirty="0" smtClean="0"/>
+          </a:p>
+          <a:p>
+            <a:r>
+              <a:rPr lang="fr-FR" sz="1000" dirty="0" smtClean="0">
+                <a:hlinkClick r:id="rId8"/>
+              </a:rPr>
+              <a:t>To style </a:t>
+            </a:r>
+            <a:r>
+              <a:rPr lang="fr-FR" sz="1000" dirty="0" err="1" smtClean="0">
+                <a:hlinkClick r:id="rId8"/>
+              </a:rPr>
+              <a:t>text</a:t>
+            </a:r>
+            <a:endParaRPr lang="fr-FR" sz="1000" dirty="0"/>
+          </a:p>
+        </p:txBody>
+      </p:sp>
     </p:spTree>
   </p:cSld>
   <p:clrMapOvr>
